--- a/calendario/documentos/3_JerarquiaOperadores.pptx
+++ b/calendario/documentos/3_JerarquiaOperadores.pptx
@@ -221,7 +221,7 @@
           <a:p>
             <a:fld id="{B774959C-3CA9-4935-A325-D6BBD9762050}" type="datetimeFigureOut">
               <a:rPr lang="es-MX" smtClean="0"/>
-              <a:t>22/08/2019</a:t>
+              <a:t>24/08/2019</a:t>
             </a:fld>
             <a:endParaRPr lang="es-MX" dirty="0"/>
           </a:p>
@@ -4532,7 +4532,7 @@
           <a:p>
             <a:fld id="{1D8BD707-D9CF-40AE-B4C6-C98DA3205C09}" type="datetimeFigureOut">
               <a:rPr lang="en-US" smtClean="0"/>
-              <a:t>8/22/2019</a:t>
+              <a:t>8/24/2019</a:t>
             </a:fld>
             <a:endParaRPr lang="en-US" dirty="0"/>
           </a:p>
@@ -4694,7 +4694,7 @@
           <a:p>
             <a:fld id="{1D8BD707-D9CF-40AE-B4C6-C98DA3205C09}" type="datetimeFigureOut">
               <a:rPr lang="en-US" smtClean="0"/>
-              <a:t>8/22/2019</a:t>
+              <a:t>8/24/2019</a:t>
             </a:fld>
             <a:endParaRPr lang="en-US" dirty="0"/>
           </a:p>
@@ -4895,7 +4895,7 @@
           <a:p>
             <a:fld id="{1D8BD707-D9CF-40AE-B4C6-C98DA3205C09}" type="datetimeFigureOut">
               <a:rPr lang="en-US" smtClean="0"/>
-              <a:t>8/22/2019</a:t>
+              <a:t>8/24/2019</a:t>
             </a:fld>
             <a:endParaRPr lang="en-US" dirty="0"/>
           </a:p>
@@ -5038,7 +5038,7 @@
           <a:p>
             <a:fld id="{1D8BD707-D9CF-40AE-B4C6-C98DA3205C09}" type="datetimeFigureOut">
               <a:rPr lang="en-US" smtClean="0"/>
-              <a:t>8/22/2019</a:t>
+              <a:t>8/24/2019</a:t>
             </a:fld>
             <a:endParaRPr lang="en-US" dirty="0"/>
           </a:p>
@@ -5162,7 +5162,7 @@
           <a:p>
             <a:fld id="{1D8BD707-D9CF-40AE-B4C6-C98DA3205C09}" type="datetimeFigureOut">
               <a:rPr lang="en-US" smtClean="0"/>
-              <a:t>8/22/2019</a:t>
+              <a:t>8/24/2019</a:t>
             </a:fld>
             <a:endParaRPr lang="en-US" dirty="0"/>
           </a:p>
@@ -5394,7 +5394,7 @@
           <a:p>
             <a:fld id="{5E75A0DC-66C6-4CEC-A5EB-F8C97CEC3796}" type="datetimeFigureOut">
               <a:rPr lang="es-MX" smtClean="0"/>
-              <a:t>22/08/2019</a:t>
+              <a:t>24/08/2019</a:t>
             </a:fld>
             <a:endParaRPr lang="es-MX" dirty="0"/>
           </a:p>
@@ -5665,7 +5665,7 @@
           <a:p>
             <a:fld id="{1D8BD707-D9CF-40AE-B4C6-C98DA3205C09}" type="datetimeFigureOut">
               <a:rPr lang="en-US" smtClean="0"/>
-              <a:t>8/22/2019</a:t>
+              <a:t>8/24/2019</a:t>
             </a:fld>
             <a:endParaRPr lang="en-US" dirty="0"/>
           </a:p>
